--- a/项目考核.pptx
+++ b/项目考核.pptx
@@ -5,7 +5,7 @@
     <p:sldMasterId id="2147483648" r:id="rId1"/>
   </p:sldMasterIdLst>
   <p:notesMasterIdLst>
-    <p:notesMasterId r:id="rId13"/>
+    <p:notesMasterId r:id="rId12"/>
   </p:notesMasterIdLst>
   <p:sldIdLst>
     <p:sldId id="282" r:id="rId2"/>
@@ -16,9 +16,8 @@
     <p:sldId id="289" r:id="rId7"/>
     <p:sldId id="290" r:id="rId8"/>
     <p:sldId id="297" r:id="rId9"/>
-    <p:sldId id="296" r:id="rId10"/>
-    <p:sldId id="291" r:id="rId11"/>
-    <p:sldId id="273" r:id="rId12"/>
+    <p:sldId id="291" r:id="rId10"/>
+    <p:sldId id="273" r:id="rId11"/>
   </p:sldIdLst>
   <p:sldSz cx="12192000" cy="6858000"/>
   <p:notesSz cx="7104063" cy="10234613"/>
@@ -4939,859 +4938,6 @@
       </p:grpSpPr>
       <p:sp>
         <p:nvSpPr>
-          <p:cNvPr id="6" name="标题 5"/>
-          <p:cNvSpPr>
-            <a:spLocks noGrp="1"/>
-          </p:cNvSpPr>
-          <p:nvPr>
-            <p:ph type="title"/>
-          </p:nvPr>
-        </p:nvSpPr>
-        <p:spPr>
-          <a:xfrm>
-            <a:off x="926977" y="117663"/>
-            <a:ext cx="10515600" cy="1325563"/>
-          </a:xfrm>
-        </p:spPr>
-        <p:txBody>
-          <a:bodyPr/>
-          <a:lstStyle/>
-          <a:p>
-            <a:r>
-              <a:rPr lang="zh-CN" altLang="en-US" dirty="0"/>
-              <a:t>总结</a:t>
-            </a:r>
-          </a:p>
-        </p:txBody>
-      </p:sp>
-      <p:sp>
-        <p:nvSpPr>
-          <p:cNvPr id="5" name="灯片编号占位符 4"/>
-          <p:cNvSpPr>
-            <a:spLocks noGrp="1"/>
-          </p:cNvSpPr>
-          <p:nvPr>
-            <p:ph type="sldNum" sz="quarter" idx="12"/>
-          </p:nvPr>
-        </p:nvSpPr>
-        <p:spPr/>
-        <p:txBody>
-          <a:bodyPr/>
-          <a:lstStyle/>
-          <a:p>
-            <a:fld id="{7D9BB5D0-35E4-459D-AEF3-FE4D7C45CC19}" type="slidenum">
-              <a:rPr lang="zh-CN" altLang="en-US" smtClean="0"/>
-              <a:t>10</a:t>
-            </a:fld>
-            <a:endParaRPr lang="zh-CN" altLang="en-US"/>
-          </a:p>
-        </p:txBody>
-      </p:sp>
-      <p:sp>
-        <p:nvSpPr>
-          <p:cNvPr id="8" name="Text Box 4"/>
-          <p:cNvSpPr txBox="1">
-            <a:spLocks noChangeArrowheads="1"/>
-          </p:cNvSpPr>
-          <p:nvPr/>
-        </p:nvSpPr>
-        <p:spPr bwMode="auto">
-          <a:xfrm>
-            <a:off x="926977" y="1443226"/>
-            <a:ext cx="7905750" cy="2961836"/>
-          </a:xfrm>
-          <a:prstGeom prst="rect">
-            <a:avLst/>
-          </a:prstGeom>
-          <a:noFill/>
-          <a:ln>
-            <a:noFill/>
-          </a:ln>
-          <a:extLst>
-            <a:ext uri="{909E8E84-426E-40DD-AFC4-6F175D3DCCD1}">
-              <a14:hiddenFill xmlns:a14="http://schemas.microsoft.com/office/drawing/2010/main">
-                <a:solidFill>
-                  <a:srgbClr val="FFFFFF"/>
-                </a:solidFill>
-              </a14:hiddenFill>
-            </a:ext>
-            <a:ext uri="{91240B29-F687-4F45-9708-019B960494DF}">
-              <a14:hiddenLine xmlns:a14="http://schemas.microsoft.com/office/drawing/2010/main" w="9525">
-                <a:solidFill>
-                  <a:srgbClr val="000000"/>
-                </a:solidFill>
-                <a:miter lim="800000"/>
-                <a:headEnd/>
-                <a:tailEnd/>
-              </a14:hiddenLine>
-            </a:ext>
-          </a:extLst>
-        </p:spPr>
-        <p:txBody>
-          <a:bodyPr>
-            <a:spAutoFit/>
-          </a:bodyPr>
-          <a:lstStyle>
-            <a:lvl1pPr>
-              <a:spcBef>
-                <a:spcPct val="20000"/>
-              </a:spcBef>
-              <a:buChar char="•"/>
-              <a:defRPr sz="1100">
-                <a:solidFill>
-                  <a:schemeClr val="tx1"/>
-                </a:solidFill>
-                <a:latin typeface="Calibri" panose="020F0502020204030204" pitchFamily="34" charset="0"/>
-                <a:ea typeface="宋体" panose="02010600030101010101" pitchFamily="2" charset="-122"/>
-                <a:sym typeface="Calibri" panose="020F0502020204030204" pitchFamily="34" charset="0"/>
-              </a:defRPr>
-            </a:lvl1pPr>
-            <a:lvl2pPr marL="742950" indent="-285750">
-              <a:spcBef>
-                <a:spcPct val="20000"/>
-              </a:spcBef>
-              <a:buChar char="–"/>
-              <a:defRPr sz="1100">
-                <a:solidFill>
-                  <a:schemeClr val="tx1"/>
-                </a:solidFill>
-                <a:latin typeface="Calibri" panose="020F0502020204030204" pitchFamily="34" charset="0"/>
-                <a:ea typeface="宋体" panose="02010600030101010101" pitchFamily="2" charset="-122"/>
-                <a:sym typeface="Calibri" panose="020F0502020204030204" pitchFamily="34" charset="0"/>
-              </a:defRPr>
-            </a:lvl2pPr>
-            <a:lvl3pPr marL="1143000" indent="-228600">
-              <a:spcBef>
-                <a:spcPct val="20000"/>
-              </a:spcBef>
-              <a:buChar char="•"/>
-              <a:defRPr sz="1100">
-                <a:solidFill>
-                  <a:schemeClr val="tx1"/>
-                </a:solidFill>
-                <a:latin typeface="Calibri" panose="020F0502020204030204" pitchFamily="34" charset="0"/>
-                <a:ea typeface="宋体" panose="02010600030101010101" pitchFamily="2" charset="-122"/>
-                <a:sym typeface="Calibri" panose="020F0502020204030204" pitchFamily="34" charset="0"/>
-              </a:defRPr>
-            </a:lvl3pPr>
-            <a:lvl4pPr marL="1600200" indent="-228600">
-              <a:spcBef>
-                <a:spcPct val="20000"/>
-              </a:spcBef>
-              <a:buChar char="–"/>
-              <a:defRPr sz="1100">
-                <a:solidFill>
-                  <a:schemeClr val="tx1"/>
-                </a:solidFill>
-                <a:latin typeface="Calibri" panose="020F0502020204030204" pitchFamily="34" charset="0"/>
-                <a:ea typeface="宋体" panose="02010600030101010101" pitchFamily="2" charset="-122"/>
-                <a:sym typeface="Calibri" panose="020F0502020204030204" pitchFamily="34" charset="0"/>
-              </a:defRPr>
-            </a:lvl4pPr>
-            <a:lvl5pPr marL="2057400" indent="-228600">
-              <a:spcBef>
-                <a:spcPct val="20000"/>
-              </a:spcBef>
-              <a:buChar char="»"/>
-              <a:defRPr sz="1100">
-                <a:solidFill>
-                  <a:schemeClr val="tx1"/>
-                </a:solidFill>
-                <a:latin typeface="Calibri" panose="020F0502020204030204" pitchFamily="34" charset="0"/>
-                <a:ea typeface="宋体" panose="02010600030101010101" pitchFamily="2" charset="-122"/>
-                <a:sym typeface="Calibri" panose="020F0502020204030204" pitchFamily="34" charset="0"/>
-              </a:defRPr>
-            </a:lvl5pPr>
-            <a:lvl6pPr marL="2514600" indent="-228600" eaLnBrk="0" fontAlgn="base" hangingPunct="0">
-              <a:spcBef>
-                <a:spcPct val="20000"/>
-              </a:spcBef>
-              <a:spcAft>
-                <a:spcPct val="0"/>
-              </a:spcAft>
-              <a:buChar char="»"/>
-              <a:defRPr sz="1100">
-                <a:solidFill>
-                  <a:schemeClr val="tx1"/>
-                </a:solidFill>
-                <a:latin typeface="Calibri" panose="020F0502020204030204" pitchFamily="34" charset="0"/>
-                <a:ea typeface="宋体" panose="02010600030101010101" pitchFamily="2" charset="-122"/>
-                <a:sym typeface="Calibri" panose="020F0502020204030204" pitchFamily="34" charset="0"/>
-              </a:defRPr>
-            </a:lvl6pPr>
-            <a:lvl7pPr marL="2971800" indent="-228600" eaLnBrk="0" fontAlgn="base" hangingPunct="0">
-              <a:spcBef>
-                <a:spcPct val="20000"/>
-              </a:spcBef>
-              <a:spcAft>
-                <a:spcPct val="0"/>
-              </a:spcAft>
-              <a:buChar char="»"/>
-              <a:defRPr sz="1100">
-                <a:solidFill>
-                  <a:schemeClr val="tx1"/>
-                </a:solidFill>
-                <a:latin typeface="Calibri" panose="020F0502020204030204" pitchFamily="34" charset="0"/>
-                <a:ea typeface="宋体" panose="02010600030101010101" pitchFamily="2" charset="-122"/>
-                <a:sym typeface="Calibri" panose="020F0502020204030204" pitchFamily="34" charset="0"/>
-              </a:defRPr>
-            </a:lvl7pPr>
-            <a:lvl8pPr marL="3429000" indent="-228600" eaLnBrk="0" fontAlgn="base" hangingPunct="0">
-              <a:spcBef>
-                <a:spcPct val="20000"/>
-              </a:spcBef>
-              <a:spcAft>
-                <a:spcPct val="0"/>
-              </a:spcAft>
-              <a:buChar char="»"/>
-              <a:defRPr sz="1100">
-                <a:solidFill>
-                  <a:schemeClr val="tx1"/>
-                </a:solidFill>
-                <a:latin typeface="Calibri" panose="020F0502020204030204" pitchFamily="34" charset="0"/>
-                <a:ea typeface="宋体" panose="02010600030101010101" pitchFamily="2" charset="-122"/>
-                <a:sym typeface="Calibri" panose="020F0502020204030204" pitchFamily="34" charset="0"/>
-              </a:defRPr>
-            </a:lvl8pPr>
-            <a:lvl9pPr marL="3886200" indent="-228600" eaLnBrk="0" fontAlgn="base" hangingPunct="0">
-              <a:spcBef>
-                <a:spcPct val="20000"/>
-              </a:spcBef>
-              <a:spcAft>
-                <a:spcPct val="0"/>
-              </a:spcAft>
-              <a:buChar char="»"/>
-              <a:defRPr sz="1100">
-                <a:solidFill>
-                  <a:schemeClr val="tx1"/>
-                </a:solidFill>
-                <a:latin typeface="Calibri" panose="020F0502020204030204" pitchFamily="34" charset="0"/>
-                <a:ea typeface="宋体" panose="02010600030101010101" pitchFamily="2" charset="-122"/>
-                <a:sym typeface="Calibri" panose="020F0502020204030204" pitchFamily="34" charset="0"/>
-              </a:defRPr>
-            </a:lvl9pPr>
-          </a:lstStyle>
-          <a:p>
-            <a:pPr eaLnBrk="1" hangingPunct="1">
-              <a:lnSpc>
-                <a:spcPct val="150000"/>
-              </a:lnSpc>
-              <a:spcBef>
-                <a:spcPts val="600"/>
-              </a:spcBef>
-              <a:spcAft>
-                <a:spcPts val="600"/>
-              </a:spcAft>
-              <a:buFontTx/>
-              <a:buNone/>
-            </a:pPr>
-            <a:r>
-              <a:rPr lang="en-US" altLang="zh-CN" sz="2000" dirty="0">
-                <a:latin typeface="微软雅黑" panose="020B0503020204020204" charset="-122"/>
-                <a:ea typeface="微软雅黑" panose="020B0503020204020204" charset="-122"/>
-              </a:rPr>
-              <a:t>1.</a:t>
-            </a:r>
-            <a:r>
-              <a:rPr lang="zh-CN" altLang="en-US" sz="2000" dirty="0">
-                <a:latin typeface="微软雅黑" panose="020B0503020204020204" charset="-122"/>
-                <a:ea typeface="微软雅黑" panose="020B0503020204020204" charset="-122"/>
-              </a:rPr>
-              <a:t>学习使用</a:t>
-            </a:r>
-            <a:r>
-              <a:rPr lang="en-US" altLang="zh-CN" sz="2000" dirty="0">
-                <a:latin typeface="微软雅黑" panose="020B0503020204020204" charset="-122"/>
-                <a:ea typeface="微软雅黑" panose="020B0503020204020204" charset="-122"/>
-              </a:rPr>
-              <a:t>HTML,CSS</a:t>
-            </a:r>
-            <a:r>
-              <a:rPr lang="zh-CN" altLang="en-US" sz="2000" dirty="0">
-                <a:latin typeface="微软雅黑" panose="020B0503020204020204" charset="-122"/>
-                <a:ea typeface="微软雅黑" panose="020B0503020204020204" charset="-122"/>
-              </a:rPr>
-              <a:t>技术进行界面布局的编写。</a:t>
-            </a:r>
-          </a:p>
-          <a:p>
-            <a:pPr eaLnBrk="1" hangingPunct="1">
-              <a:lnSpc>
-                <a:spcPct val="150000"/>
-              </a:lnSpc>
-              <a:spcBef>
-                <a:spcPts val="600"/>
-              </a:spcBef>
-              <a:spcAft>
-                <a:spcPts val="600"/>
-              </a:spcAft>
-              <a:buFontTx/>
-              <a:buNone/>
-            </a:pPr>
-            <a:r>
-              <a:rPr lang="en-US" altLang="zh-CN" sz="2000" dirty="0">
-                <a:latin typeface="微软雅黑" panose="020B0503020204020204" charset="-122"/>
-                <a:ea typeface="微软雅黑" panose="020B0503020204020204" charset="-122"/>
-              </a:rPr>
-              <a:t>2.</a:t>
-            </a:r>
-            <a:r>
-              <a:rPr lang="zh-CN" altLang="en-US" sz="2000" dirty="0">
-                <a:latin typeface="微软雅黑" panose="020B0503020204020204" charset="-122"/>
-                <a:ea typeface="微软雅黑" panose="020B0503020204020204" charset="-122"/>
-              </a:rPr>
-              <a:t>学习使用</a:t>
-            </a:r>
-            <a:r>
-              <a:rPr lang="en-US" altLang="zh-CN" sz="2000" dirty="0">
-                <a:latin typeface="微软雅黑" panose="020B0503020204020204" charset="-122"/>
-                <a:ea typeface="微软雅黑" panose="020B0503020204020204" charset="-122"/>
-                <a:sym typeface="+mn-ea"/>
-              </a:rPr>
-              <a:t>JavaScript</a:t>
-            </a:r>
-            <a:r>
-              <a:rPr lang="zh-CN" altLang="en-US" sz="2000" dirty="0">
-                <a:latin typeface="微软雅黑" panose="020B0503020204020204" charset="-122"/>
-                <a:ea typeface="微软雅黑" panose="020B0503020204020204" charset="-122"/>
-                <a:sym typeface="+mn-ea"/>
-              </a:rPr>
-              <a:t>技术进行数据接口的编写。</a:t>
-            </a:r>
-            <a:endParaRPr lang="en-US" altLang="zh-CN" sz="2000" dirty="0">
-              <a:latin typeface="微软雅黑" panose="020B0503020204020204" charset="-122"/>
-              <a:ea typeface="微软雅黑" panose="020B0503020204020204" charset="-122"/>
-            </a:endParaRPr>
-          </a:p>
-          <a:p>
-            <a:pPr eaLnBrk="1" hangingPunct="1">
-              <a:lnSpc>
-                <a:spcPct val="150000"/>
-              </a:lnSpc>
-              <a:spcBef>
-                <a:spcPts val="600"/>
-              </a:spcBef>
-              <a:spcAft>
-                <a:spcPts val="600"/>
-              </a:spcAft>
-              <a:buFontTx/>
-              <a:buNone/>
-            </a:pPr>
-            <a:r>
-              <a:rPr lang="en-US" altLang="zh-CN" sz="2000" dirty="0">
-                <a:latin typeface="微软雅黑" panose="020B0503020204020204" charset="-122"/>
-                <a:ea typeface="微软雅黑" panose="020B0503020204020204" charset="-122"/>
-              </a:rPr>
-              <a:t>3.</a:t>
-            </a:r>
-            <a:r>
-              <a:rPr lang="zh-CN" altLang="en-US" sz="2000" dirty="0">
-                <a:latin typeface="微软雅黑" panose="020B0503020204020204" charset="-122"/>
-                <a:ea typeface="微软雅黑" panose="020B0503020204020204" charset="-122"/>
-              </a:rPr>
-              <a:t>学习使用使用</a:t>
-            </a:r>
-            <a:r>
-              <a:rPr lang="en-US" altLang="zh-CN" sz="2000" dirty="0" err="1">
-                <a:latin typeface="微软雅黑" panose="020B0503020204020204" charset="-122"/>
-                <a:ea typeface="微软雅黑" panose="020B0503020204020204" charset="-122"/>
-              </a:rPr>
-              <a:t>mui</a:t>
-            </a:r>
-            <a:r>
-              <a:rPr lang="zh-CN" altLang="en-US" sz="2000" dirty="0">
-                <a:latin typeface="微软雅黑" panose="020B0503020204020204" charset="-122"/>
-                <a:ea typeface="微软雅黑" panose="020B0503020204020204" charset="-122"/>
-              </a:rPr>
-              <a:t>框架进行挨批评开发，</a:t>
-            </a:r>
-            <a:endParaRPr lang="en-US" altLang="zh-CN" sz="2000" dirty="0">
-              <a:latin typeface="微软雅黑" panose="020B0503020204020204" charset="-122"/>
-              <a:ea typeface="微软雅黑" panose="020B0503020204020204" charset="-122"/>
-            </a:endParaRPr>
-          </a:p>
-          <a:p>
-            <a:pPr eaLnBrk="1" hangingPunct="1">
-              <a:lnSpc>
-                <a:spcPct val="150000"/>
-              </a:lnSpc>
-              <a:spcBef>
-                <a:spcPts val="600"/>
-              </a:spcBef>
-              <a:spcAft>
-                <a:spcPts val="600"/>
-              </a:spcAft>
-              <a:buFontTx/>
-              <a:buNone/>
-            </a:pPr>
-            <a:r>
-              <a:rPr lang="en-US" altLang="zh-CN" sz="2000" dirty="0">
-                <a:latin typeface="微软雅黑" panose="020B0503020204020204" charset="-122"/>
-                <a:ea typeface="微软雅黑" panose="020B0503020204020204" charset="-122"/>
-              </a:rPr>
-              <a:t>4.</a:t>
-            </a:r>
-            <a:r>
-              <a:rPr lang="zh-CN" altLang="en-US" sz="2000" dirty="0">
-                <a:latin typeface="微软雅黑" panose="020B0503020204020204" charset="-122"/>
-                <a:ea typeface="微软雅黑" panose="020B0503020204020204" charset="-122"/>
-              </a:rPr>
-              <a:t>学习使用</a:t>
-            </a:r>
-            <a:r>
-              <a:rPr lang="en-US" altLang="zh-CN" sz="2000" dirty="0" err="1">
-                <a:latin typeface="微软雅黑" panose="020B0503020204020204" charset="-122"/>
-                <a:ea typeface="微软雅黑" panose="020B0503020204020204" charset="-122"/>
-              </a:rPr>
-              <a:t>hbuider</a:t>
-            </a:r>
-            <a:r>
-              <a:rPr lang="zh-CN" altLang="en-US" sz="2000" dirty="0">
-                <a:latin typeface="微软雅黑" panose="020B0503020204020204" charset="-122"/>
-                <a:ea typeface="微软雅黑" panose="020B0503020204020204" charset="-122"/>
-              </a:rPr>
-              <a:t>对</a:t>
-            </a:r>
-            <a:r>
-              <a:rPr lang="en-US" altLang="zh-CN" sz="2000" dirty="0">
-                <a:latin typeface="微软雅黑" panose="020B0503020204020204" charset="-122"/>
-                <a:ea typeface="微软雅黑" panose="020B0503020204020204" charset="-122"/>
-              </a:rPr>
-              <a:t>app</a:t>
-            </a:r>
-            <a:r>
-              <a:rPr lang="zh-CN" altLang="en-US" sz="2000" dirty="0">
-                <a:latin typeface="微软雅黑" panose="020B0503020204020204" charset="-122"/>
-                <a:ea typeface="微软雅黑" panose="020B0503020204020204" charset="-122"/>
-              </a:rPr>
-              <a:t>进行打包</a:t>
-            </a:r>
-            <a:endParaRPr lang="en-US" altLang="zh-CN" sz="2000" dirty="0">
-              <a:latin typeface="微软雅黑" panose="020B0503020204020204" charset="-122"/>
-              <a:ea typeface="微软雅黑" panose="020B0503020204020204" charset="-122"/>
-            </a:endParaRPr>
-          </a:p>
-          <a:p>
-            <a:pPr eaLnBrk="1" hangingPunct="1">
-              <a:lnSpc>
-                <a:spcPct val="150000"/>
-              </a:lnSpc>
-              <a:spcBef>
-                <a:spcPts val="600"/>
-              </a:spcBef>
-              <a:spcAft>
-                <a:spcPts val="600"/>
-              </a:spcAft>
-              <a:buFontTx/>
-              <a:buNone/>
-            </a:pPr>
-            <a:r>
-              <a:rPr lang="en-US" altLang="zh-CN" sz="2000" dirty="0">
-                <a:latin typeface="微软雅黑" panose="020B0503020204020204" charset="-122"/>
-                <a:ea typeface="微软雅黑" panose="020B0503020204020204" charset="-122"/>
-              </a:rPr>
-              <a:t>5.</a:t>
-            </a:r>
-            <a:r>
-              <a:rPr lang="zh-CN" altLang="en-US" sz="2000" dirty="0">
-                <a:latin typeface="微软雅黑" panose="020B0503020204020204" charset="-122"/>
-                <a:ea typeface="微软雅黑" panose="020B0503020204020204" charset="-122"/>
-              </a:rPr>
-              <a:t>总之就学到了</a:t>
-            </a:r>
-            <a:r>
-              <a:rPr lang="en-US" altLang="zh-CN" sz="2000" dirty="0" err="1">
-                <a:latin typeface="微软雅黑" panose="020B0503020204020204" charset="-122"/>
-                <a:ea typeface="微软雅黑" panose="020B0503020204020204" charset="-122"/>
-              </a:rPr>
-              <a:t>mui</a:t>
-            </a:r>
-            <a:r>
-              <a:rPr lang="zh-CN" altLang="en-US" sz="2000" dirty="0">
-                <a:latin typeface="微软雅黑" panose="020B0503020204020204" charset="-122"/>
-                <a:ea typeface="微软雅黑" panose="020B0503020204020204" charset="-122"/>
-              </a:rPr>
-              <a:t>框架的使用和打包成</a:t>
-            </a:r>
-            <a:r>
-              <a:rPr lang="en-US" altLang="zh-CN" sz="2000" dirty="0">
-                <a:latin typeface="微软雅黑" panose="020B0503020204020204" charset="-122"/>
-                <a:ea typeface="微软雅黑" panose="020B0503020204020204" charset="-122"/>
-              </a:rPr>
-              <a:t>app</a:t>
-            </a:r>
-            <a:r>
-              <a:rPr lang="zh-CN" altLang="en-US" sz="2000" dirty="0">
-                <a:latin typeface="微软雅黑" panose="020B0503020204020204" charset="-122"/>
-                <a:ea typeface="微软雅黑" panose="020B0503020204020204" charset="-122"/>
-              </a:rPr>
-              <a:t>的操作。</a:t>
-            </a:r>
-          </a:p>
-        </p:txBody>
-      </p:sp>
-    </p:spTree>
-  </p:cSld>
-  <p:clrMapOvr>
-    <a:masterClrMapping/>
-  </p:clrMapOvr>
-  <p:timing>
-    <p:tnLst>
-      <p:par>
-        <p:cTn id="1" dur="indefinite" restart="never" nodeType="tmRoot">
-          <p:childTnLst>
-            <p:seq concurrent="1" nextAc="seek">
-              <p:cTn id="2" dur="indefinite" nodeType="mainSeq">
-                <p:childTnLst>
-                  <p:par>
-                    <p:cTn id="3" fill="hold">
-                      <p:stCondLst>
-                        <p:cond delay="indefinite"/>
-                      </p:stCondLst>
-                      <p:childTnLst>
-                        <p:par>
-                          <p:cTn id="4" fill="hold">
-                            <p:stCondLst>
-                              <p:cond delay="0"/>
-                            </p:stCondLst>
-                            <p:childTnLst>
-                              <p:par>
-                                <p:cTn id="5" presetID="8" presetClass="entr" presetSubtype="16" fill="hold" nodeType="clickEffect">
-                                  <p:stCondLst>
-                                    <p:cond delay="0"/>
-                                  </p:stCondLst>
-                                  <p:childTnLst>
-                                    <p:set>
-                                      <p:cBhvr>
-                                        <p:cTn id="6" dur="1" fill="hold">
-                                          <p:stCondLst>
-                                            <p:cond delay="0"/>
-                                          </p:stCondLst>
-                                        </p:cTn>
-                                        <p:tgtEl>
-                                          <p:spTgt spid="8">
-                                            <p:txEl>
-                                              <p:pRg st="0" end="0"/>
-                                            </p:txEl>
-                                          </p:spTgt>
-                                        </p:tgtEl>
-                                        <p:attrNameLst>
-                                          <p:attrName>style.visibility</p:attrName>
-                                        </p:attrNameLst>
-                                      </p:cBhvr>
-                                      <p:to>
-                                        <p:strVal val="visible"/>
-                                      </p:to>
-                                    </p:set>
-                                    <p:animEffect transition="in" filter="diamond(in)">
-                                      <p:cBhvr>
-                                        <p:cTn id="7" dur="500"/>
-                                        <p:tgtEl>
-                                          <p:spTgt spid="8">
-                                            <p:txEl>
-                                              <p:pRg st="0" end="0"/>
-                                            </p:txEl>
-                                          </p:spTgt>
-                                        </p:tgtEl>
-                                      </p:cBhvr>
-                                    </p:animEffect>
-                                  </p:childTnLst>
-                                </p:cTn>
-                              </p:par>
-                            </p:childTnLst>
-                          </p:cTn>
-                        </p:par>
-                      </p:childTnLst>
-                    </p:cTn>
-                  </p:par>
-                  <p:par>
-                    <p:cTn id="8" fill="hold">
-                      <p:stCondLst>
-                        <p:cond delay="indefinite"/>
-                      </p:stCondLst>
-                      <p:childTnLst>
-                        <p:par>
-                          <p:cTn id="9" fill="hold">
-                            <p:stCondLst>
-                              <p:cond delay="0"/>
-                            </p:stCondLst>
-                            <p:childTnLst>
-                              <p:par>
-                                <p:cTn id="10" presetID="8" presetClass="entr" presetSubtype="16" fill="hold" nodeType="clickEffect">
-                                  <p:stCondLst>
-                                    <p:cond delay="0"/>
-                                  </p:stCondLst>
-                                  <p:childTnLst>
-                                    <p:set>
-                                      <p:cBhvr>
-                                        <p:cTn id="11" dur="1" fill="hold">
-                                          <p:stCondLst>
-                                            <p:cond delay="0"/>
-                                          </p:stCondLst>
-                                        </p:cTn>
-                                        <p:tgtEl>
-                                          <p:spTgt spid="8">
-                                            <p:txEl>
-                                              <p:pRg st="1" end="1"/>
-                                            </p:txEl>
-                                          </p:spTgt>
-                                        </p:tgtEl>
-                                        <p:attrNameLst>
-                                          <p:attrName>style.visibility</p:attrName>
-                                        </p:attrNameLst>
-                                      </p:cBhvr>
-                                      <p:to>
-                                        <p:strVal val="visible"/>
-                                      </p:to>
-                                    </p:set>
-                                    <p:animEffect transition="in" filter="diamond(in)">
-                                      <p:cBhvr>
-                                        <p:cTn id="12" dur="500"/>
-                                        <p:tgtEl>
-                                          <p:spTgt spid="8">
-                                            <p:txEl>
-                                              <p:pRg st="1" end="1"/>
-                                            </p:txEl>
-                                          </p:spTgt>
-                                        </p:tgtEl>
-                                      </p:cBhvr>
-                                    </p:animEffect>
-                                  </p:childTnLst>
-                                </p:cTn>
-                              </p:par>
-                            </p:childTnLst>
-                          </p:cTn>
-                        </p:par>
-                      </p:childTnLst>
-                    </p:cTn>
-                  </p:par>
-                  <p:par>
-                    <p:cTn id="13" fill="hold">
-                      <p:stCondLst>
-                        <p:cond delay="indefinite"/>
-                      </p:stCondLst>
-                      <p:childTnLst>
-                        <p:par>
-                          <p:cTn id="14" fill="hold">
-                            <p:stCondLst>
-                              <p:cond delay="0"/>
-                            </p:stCondLst>
-                            <p:childTnLst>
-                              <p:par>
-                                <p:cTn id="15" presetID="8" presetClass="entr" presetSubtype="16" fill="hold" nodeType="clickEffect">
-                                  <p:stCondLst>
-                                    <p:cond delay="0"/>
-                                  </p:stCondLst>
-                                  <p:childTnLst>
-                                    <p:set>
-                                      <p:cBhvr>
-                                        <p:cTn id="16" dur="1" fill="hold">
-                                          <p:stCondLst>
-                                            <p:cond delay="0"/>
-                                          </p:stCondLst>
-                                        </p:cTn>
-                                        <p:tgtEl>
-                                          <p:spTgt spid="8">
-                                            <p:txEl>
-                                              <p:pRg st="2" end="2"/>
-                                            </p:txEl>
-                                          </p:spTgt>
-                                        </p:tgtEl>
-                                        <p:attrNameLst>
-                                          <p:attrName>style.visibility</p:attrName>
-                                        </p:attrNameLst>
-                                      </p:cBhvr>
-                                      <p:to>
-                                        <p:strVal val="visible"/>
-                                      </p:to>
-                                    </p:set>
-                                    <p:animEffect transition="in" filter="diamond(in)">
-                                      <p:cBhvr>
-                                        <p:cTn id="17" dur="1000"/>
-                                        <p:tgtEl>
-                                          <p:spTgt spid="8">
-                                            <p:txEl>
-                                              <p:pRg st="2" end="2"/>
-                                            </p:txEl>
-                                          </p:spTgt>
-                                        </p:tgtEl>
-                                      </p:cBhvr>
-                                    </p:animEffect>
-                                  </p:childTnLst>
-                                </p:cTn>
-                              </p:par>
-                            </p:childTnLst>
-                          </p:cTn>
-                        </p:par>
-                      </p:childTnLst>
-                    </p:cTn>
-                  </p:par>
-                  <p:par>
-                    <p:cTn id="18" fill="hold">
-                      <p:stCondLst>
-                        <p:cond delay="indefinite"/>
-                      </p:stCondLst>
-                      <p:childTnLst>
-                        <p:par>
-                          <p:cTn id="19" fill="hold">
-                            <p:stCondLst>
-                              <p:cond delay="0"/>
-                            </p:stCondLst>
-                            <p:childTnLst>
-                              <p:par>
-                                <p:cTn id="20" presetID="8" presetClass="entr" presetSubtype="16" fill="hold" nodeType="clickEffect">
-                                  <p:stCondLst>
-                                    <p:cond delay="0"/>
-                                  </p:stCondLst>
-                                  <p:childTnLst>
-                                    <p:set>
-                                      <p:cBhvr>
-                                        <p:cTn id="21" dur="1" fill="hold">
-                                          <p:stCondLst>
-                                            <p:cond delay="0"/>
-                                          </p:stCondLst>
-                                        </p:cTn>
-                                        <p:tgtEl>
-                                          <p:spTgt spid="8">
-                                            <p:txEl>
-                                              <p:pRg st="3" end="3"/>
-                                            </p:txEl>
-                                          </p:spTgt>
-                                        </p:tgtEl>
-                                        <p:attrNameLst>
-                                          <p:attrName>style.visibility</p:attrName>
-                                        </p:attrNameLst>
-                                      </p:cBhvr>
-                                      <p:to>
-                                        <p:strVal val="visible"/>
-                                      </p:to>
-                                    </p:set>
-                                    <p:animEffect transition="in" filter="diamond(in)">
-                                      <p:cBhvr>
-                                        <p:cTn id="22" dur="1000"/>
-                                        <p:tgtEl>
-                                          <p:spTgt spid="8">
-                                            <p:txEl>
-                                              <p:pRg st="3" end="3"/>
-                                            </p:txEl>
-                                          </p:spTgt>
-                                        </p:tgtEl>
-                                      </p:cBhvr>
-                                    </p:animEffect>
-                                  </p:childTnLst>
-                                </p:cTn>
-                              </p:par>
-                            </p:childTnLst>
-                          </p:cTn>
-                        </p:par>
-                      </p:childTnLst>
-                    </p:cTn>
-                  </p:par>
-                  <p:par>
-                    <p:cTn id="23" fill="hold">
-                      <p:stCondLst>
-                        <p:cond delay="indefinite"/>
-                      </p:stCondLst>
-                      <p:childTnLst>
-                        <p:par>
-                          <p:cTn id="24" fill="hold">
-                            <p:stCondLst>
-                              <p:cond delay="0"/>
-                            </p:stCondLst>
-                            <p:childTnLst>
-                              <p:par>
-                                <p:cTn id="25" presetID="8" presetClass="entr" presetSubtype="16" fill="hold" nodeType="clickEffect">
-                                  <p:stCondLst>
-                                    <p:cond delay="0"/>
-                                  </p:stCondLst>
-                                  <p:childTnLst>
-                                    <p:set>
-                                      <p:cBhvr>
-                                        <p:cTn id="26" dur="1" fill="hold">
-                                          <p:stCondLst>
-                                            <p:cond delay="0"/>
-                                          </p:stCondLst>
-                                        </p:cTn>
-                                        <p:tgtEl>
-                                          <p:spTgt spid="8">
-                                            <p:txEl>
-                                              <p:pRg st="4" end="4"/>
-                                            </p:txEl>
-                                          </p:spTgt>
-                                        </p:tgtEl>
-                                        <p:attrNameLst>
-                                          <p:attrName>style.visibility</p:attrName>
-                                        </p:attrNameLst>
-                                      </p:cBhvr>
-                                      <p:to>
-                                        <p:strVal val="visible"/>
-                                      </p:to>
-                                    </p:set>
-                                    <p:animEffect transition="in" filter="diamond(in)">
-                                      <p:cBhvr>
-                                        <p:cTn id="27" dur="1000"/>
-                                        <p:tgtEl>
-                                          <p:spTgt spid="8">
-                                            <p:txEl>
-                                              <p:pRg st="4" end="4"/>
-                                            </p:txEl>
-                                          </p:spTgt>
-                                        </p:tgtEl>
-                                      </p:cBhvr>
-                                    </p:animEffect>
-                                  </p:childTnLst>
-                                </p:cTn>
-                              </p:par>
-                            </p:childTnLst>
-                          </p:cTn>
-                        </p:par>
-                      </p:childTnLst>
-                    </p:cTn>
-                  </p:par>
-                </p:childTnLst>
-              </p:cTn>
-              <p:prevCondLst>
-                <p:cond evt="onPrev" delay="0">
-                  <p:tgtEl>
-                    <p:sldTgt/>
-                  </p:tgtEl>
-                </p:cond>
-              </p:prevCondLst>
-              <p:nextCondLst>
-                <p:cond evt="onNext" delay="0">
-                  <p:tgtEl>
-                    <p:sldTgt/>
-                  </p:tgtEl>
-                </p:cond>
-              </p:nextCondLst>
-            </p:seq>
-          </p:childTnLst>
-        </p:cTn>
-      </p:par>
-    </p:tnLst>
-  </p:timing>
-</p:sld>
-</file>
-
-<file path=ppt/slides/slide11.xml><?xml version="1.0" encoding="utf-8"?>
-<p:sld xmlns:a="http://schemas.openxmlformats.org/drawingml/2006/main" xmlns:r="http://schemas.openxmlformats.org/officeDocument/2006/relationships" xmlns:p="http://schemas.openxmlformats.org/presentationml/2006/main">
-  <p:cSld>
-    <p:spTree>
-      <p:nvGrpSpPr>
-        <p:cNvPr id="1" name=""/>
-        <p:cNvGrpSpPr/>
-        <p:nvPr/>
-      </p:nvGrpSpPr>
-      <p:grpSpPr>
-        <a:xfrm>
-          <a:off x="0" y="0"/>
-          <a:ext cx="0" cy="0"/>
-          <a:chOff x="0" y="0"/>
-          <a:chExt cx="0" cy="0"/>
-        </a:xfrm>
-      </p:grpSpPr>
-      <p:sp>
-        <p:nvSpPr>
           <p:cNvPr id="12" name="文本框 11"/>
           <p:cNvSpPr txBox="1"/>
           <p:nvPr/>
@@ -6378,7 +5524,7 @@
                 <a:latin typeface="微软雅黑" panose="020B0503020204020204" charset="-122"/>
                 <a:ea typeface="微软雅黑" panose="020B0503020204020204" charset="-122"/>
               </a:rPr>
-              <a:t>，站酷首页</a:t>
+              <a:t>、站酷首页</a:t>
             </a:r>
             <a:endParaRPr lang="en-US" altLang="zh-CN" sz="2000" kern="0" dirty="0">
               <a:latin typeface="微软雅黑" panose="020B0503020204020204" charset="-122"/>
@@ -6408,7 +5554,7 @@
                 <a:latin typeface="微软雅黑" panose="020B0503020204020204" charset="-122"/>
                 <a:ea typeface="微软雅黑" panose="020B0503020204020204" charset="-122"/>
               </a:rPr>
-              <a:t>，站酷发现页</a:t>
+              <a:t>、站酷发现页</a:t>
             </a:r>
             <a:endParaRPr lang="en-US" altLang="zh-CN" sz="2000" kern="0" dirty="0">
               <a:latin typeface="微软雅黑" panose="020B0503020204020204" charset="-122"/>
@@ -6438,7 +5584,7 @@
                 <a:latin typeface="微软雅黑" panose="020B0503020204020204" charset="-122"/>
                 <a:ea typeface="微软雅黑" panose="020B0503020204020204" charset="-122"/>
               </a:rPr>
-              <a:t>，站酷活动页</a:t>
+              <a:t>、站酷活动页</a:t>
             </a:r>
             <a:endParaRPr lang="en-US" altLang="zh-CN" sz="2000" kern="0" dirty="0">
               <a:latin typeface="微软雅黑" panose="020B0503020204020204" charset="-122"/>
@@ -6468,7 +5614,7 @@
                 <a:latin typeface="微软雅黑" panose="020B0503020204020204" charset="-122"/>
                 <a:ea typeface="微软雅黑" panose="020B0503020204020204" charset="-122"/>
               </a:rPr>
-              <a:t>，正版素材</a:t>
+              <a:t>、正版素材</a:t>
             </a:r>
             <a:endParaRPr lang="en-US" altLang="zh-CN" sz="2000" kern="0" dirty="0">
               <a:latin typeface="微软雅黑" panose="020B0503020204020204" charset="-122"/>
@@ -6498,7 +5644,7 @@
                 <a:latin typeface="微软雅黑" panose="020B0503020204020204" charset="-122"/>
                 <a:ea typeface="微软雅黑" panose="020B0503020204020204" charset="-122"/>
               </a:rPr>
-              <a:t>，课程</a:t>
+              <a:t>、课程</a:t>
             </a:r>
             <a:endParaRPr lang="en-US" altLang="zh-CN" sz="2000" kern="0" dirty="0">
               <a:latin typeface="微软雅黑" panose="020B0503020204020204" charset="-122"/>
@@ -6528,7 +5674,7 @@
                 <a:latin typeface="微软雅黑" panose="020B0503020204020204" charset="-122"/>
                 <a:ea typeface="微软雅黑" panose="020B0503020204020204" charset="-122"/>
               </a:rPr>
-              <a:t>，版权保护</a:t>
+              <a:t>、版权保护</a:t>
             </a:r>
           </a:p>
         </p:txBody>
@@ -7038,46 +6184,11 @@
               <a:buNone/>
             </a:pPr>
             <a:r>
-              <a:rPr lang="en-US" altLang="zh-CN" sz="2000" dirty="0">
-                <a:latin typeface="微软雅黑" panose="020B0503020204020204" charset="-122"/>
-                <a:ea typeface="微软雅黑" panose="020B0503020204020204" charset="-122"/>
-              </a:rPr>
-              <a:t>1</a:t>
-            </a:r>
-            <a:r>
               <a:rPr lang="zh-CN" altLang="en-US" sz="2000" dirty="0">
                 <a:latin typeface="微软雅黑" panose="020B0503020204020204" charset="-122"/>
                 <a:ea typeface="微软雅黑" panose="020B0503020204020204" charset="-122"/>
               </a:rPr>
-              <a:t>月</a:t>
-            </a:r>
-            <a:r>
-              <a:rPr lang="en-US" altLang="zh-CN" sz="2000" dirty="0">
-                <a:latin typeface="微软雅黑" panose="020B0503020204020204" charset="-122"/>
-                <a:ea typeface="微软雅黑" panose="020B0503020204020204" charset="-122"/>
-              </a:rPr>
-              <a:t>15</a:t>
-            </a:r>
-            <a:r>
-              <a:rPr lang="zh-CN" altLang="en-US" sz="2000" dirty="0">
-                <a:latin typeface="微软雅黑" panose="020B0503020204020204" charset="-122"/>
-                <a:ea typeface="微软雅黑" panose="020B0503020204020204" charset="-122"/>
-              </a:rPr>
-              <a:t>日：</a:t>
-            </a:r>
-            <a:r>
-              <a:rPr lang="en-US" altLang="zh-CN" sz="2000" dirty="0" err="1">
-                <a:latin typeface="微软雅黑" panose="020B0503020204020204" charset="-122"/>
-                <a:ea typeface="微软雅黑" panose="020B0503020204020204" charset="-122"/>
-              </a:rPr>
-              <a:t>mui</a:t>
-            </a:r>
-            <a:r>
-              <a:rPr lang="zh-CN" altLang="en-US" sz="2000" dirty="0">
-                <a:latin typeface="微软雅黑" panose="020B0503020204020204" charset="-122"/>
-                <a:ea typeface="微软雅黑" panose="020B0503020204020204" charset="-122"/>
-              </a:rPr>
-              <a:t>组件框架，案例。</a:t>
+              <a:t>唐山林：课程、移动端站酷高高手</a:t>
             </a:r>
             <a:endParaRPr lang="en-US" altLang="zh-CN" sz="2000" dirty="0">
               <a:latin typeface="微软雅黑" panose="020B0503020204020204" charset="-122"/>
@@ -7096,7 +6207,7 @@
         </p:nvSpPr>
         <p:spPr bwMode="auto">
           <a:xfrm>
-            <a:off x="1000001" y="3027386"/>
+            <a:off x="1000000" y="3030220"/>
             <a:ext cx="8699155" cy="398780"/>
           </a:xfrm>
           <a:prstGeom prst="rect">
@@ -7284,46 +6395,11 @@
               <a:buNone/>
             </a:pPr>
             <a:r>
-              <a:rPr lang="en-US" altLang="zh-CN" sz="2000" dirty="0">
-                <a:latin typeface="微软雅黑" panose="020B0503020204020204" charset="-122"/>
-                <a:ea typeface="微软雅黑" panose="020B0503020204020204" charset="-122"/>
-              </a:rPr>
-              <a:t>1</a:t>
-            </a:r>
-            <a:r>
               <a:rPr lang="zh-CN" altLang="en-US" sz="2000" dirty="0">
                 <a:latin typeface="微软雅黑" panose="020B0503020204020204" charset="-122"/>
                 <a:ea typeface="微软雅黑" panose="020B0503020204020204" charset="-122"/>
               </a:rPr>
-              <a:t>月</a:t>
-            </a:r>
-            <a:r>
-              <a:rPr lang="en-US" altLang="zh-CN" sz="2000" dirty="0">
-                <a:latin typeface="微软雅黑" panose="020B0503020204020204" charset="-122"/>
-                <a:ea typeface="微软雅黑" panose="020B0503020204020204" charset="-122"/>
-              </a:rPr>
-              <a:t>14</a:t>
-            </a:r>
-            <a:r>
-              <a:rPr lang="zh-CN" altLang="en-US" sz="2000" dirty="0">
-                <a:latin typeface="微软雅黑" panose="020B0503020204020204" charset="-122"/>
-                <a:ea typeface="微软雅黑" panose="020B0503020204020204" charset="-122"/>
-              </a:rPr>
-              <a:t>日：前端排他模型，</a:t>
-            </a:r>
-            <a:r>
-              <a:rPr lang="en-US" altLang="zh-CN" sz="2000" dirty="0" err="1">
-                <a:latin typeface="微软雅黑" panose="020B0503020204020204" charset="-122"/>
-                <a:ea typeface="微软雅黑" panose="020B0503020204020204" charset="-122"/>
-              </a:rPr>
-              <a:t>js</a:t>
-            </a:r>
-            <a:r>
-              <a:rPr lang="zh-CN" altLang="en-US" sz="2000" dirty="0">
-                <a:latin typeface="微软雅黑" panose="020B0503020204020204" charset="-122"/>
-                <a:ea typeface="微软雅黑" panose="020B0503020204020204" charset="-122"/>
-              </a:rPr>
-              <a:t>基础。</a:t>
+              <a:t>唐立明：素材</a:t>
             </a:r>
           </a:p>
         </p:txBody>
@@ -7526,32 +6602,11 @@
               <a:buNone/>
             </a:pPr>
             <a:r>
-              <a:rPr lang="en-US" altLang="zh-CN" sz="2000" dirty="0">
-                <a:latin typeface="微软雅黑" panose="020B0503020204020204" charset="-122"/>
-                <a:ea typeface="微软雅黑" panose="020B0503020204020204" charset="-122"/>
-              </a:rPr>
-              <a:t>1</a:t>
-            </a:r>
-            <a:r>
               <a:rPr lang="zh-CN" altLang="en-US" sz="2000" dirty="0">
                 <a:latin typeface="微软雅黑" panose="020B0503020204020204" charset="-122"/>
                 <a:ea typeface="微软雅黑" panose="020B0503020204020204" charset="-122"/>
               </a:rPr>
-              <a:t>月</a:t>
-            </a:r>
-            <a:r>
-              <a:rPr lang="en-US" altLang="zh-CN" sz="2000" dirty="0">
-                <a:latin typeface="微软雅黑" panose="020B0503020204020204" charset="-122"/>
-                <a:ea typeface="微软雅黑" panose="020B0503020204020204" charset="-122"/>
-              </a:rPr>
-              <a:t>13</a:t>
-            </a:r>
-            <a:r>
-              <a:rPr lang="zh-CN" altLang="en-US" sz="2000" dirty="0">
-                <a:latin typeface="微软雅黑" panose="020B0503020204020204" charset="-122"/>
-                <a:ea typeface="微软雅黑" panose="020B0503020204020204" charset="-122"/>
-              </a:rPr>
-              <a:t>日：移动端布局和布局方法。</a:t>
+              <a:t>李松：活动、移动端活动</a:t>
             </a:r>
           </a:p>
         </p:txBody>
@@ -7754,32 +6809,11 @@
               <a:buNone/>
             </a:pPr>
             <a:r>
-              <a:rPr lang="en-US" altLang="zh-CN" sz="2000" dirty="0">
-                <a:latin typeface="微软雅黑" panose="020B0503020204020204" charset="-122"/>
-                <a:ea typeface="微软雅黑" panose="020B0503020204020204" charset="-122"/>
-              </a:rPr>
-              <a:t>1</a:t>
-            </a:r>
-            <a:r>
               <a:rPr lang="zh-CN" altLang="en-US" sz="2000" dirty="0">
                 <a:latin typeface="微软雅黑" panose="020B0503020204020204" charset="-122"/>
                 <a:ea typeface="微软雅黑" panose="020B0503020204020204" charset="-122"/>
               </a:rPr>
-              <a:t>月</a:t>
-            </a:r>
-            <a:r>
-              <a:rPr lang="en-US" altLang="zh-CN" sz="2000" dirty="0">
-                <a:latin typeface="微软雅黑" panose="020B0503020204020204" charset="-122"/>
-                <a:ea typeface="微软雅黑" panose="020B0503020204020204" charset="-122"/>
-              </a:rPr>
-              <a:t>12</a:t>
-            </a:r>
-            <a:r>
-              <a:rPr lang="zh-CN" altLang="en-US" sz="2000" dirty="0">
-                <a:latin typeface="微软雅黑" panose="020B0503020204020204" charset="-122"/>
-                <a:ea typeface="微软雅黑" panose="020B0503020204020204" charset="-122"/>
-              </a:rPr>
-              <a:t>日：盒子模型</a:t>
+              <a:t>何龙：首页、发现、移动端首页</a:t>
             </a:r>
           </a:p>
         </p:txBody>
@@ -7982,46 +7016,11 @@
               <a:buNone/>
             </a:pPr>
             <a:r>
-              <a:rPr lang="en-US" altLang="zh-CN" sz="2000" dirty="0">
-                <a:latin typeface="微软雅黑" panose="020B0503020204020204" charset="-122"/>
-                <a:ea typeface="微软雅黑" panose="020B0503020204020204" charset="-122"/>
-              </a:rPr>
-              <a:t>1</a:t>
-            </a:r>
-            <a:r>
               <a:rPr lang="zh-CN" altLang="en-US" sz="2000" dirty="0">
                 <a:latin typeface="微软雅黑" panose="020B0503020204020204" charset="-122"/>
                 <a:ea typeface="微软雅黑" panose="020B0503020204020204" charset="-122"/>
               </a:rPr>
-              <a:t>月</a:t>
-            </a:r>
-            <a:r>
-              <a:rPr lang="en-US" altLang="zh-CN" sz="2000" dirty="0">
-                <a:latin typeface="微软雅黑" panose="020B0503020204020204" charset="-122"/>
-                <a:ea typeface="微软雅黑" panose="020B0503020204020204" charset="-122"/>
-              </a:rPr>
-              <a:t>16</a:t>
-            </a:r>
-            <a:r>
-              <a:rPr lang="zh-CN" altLang="en-US" sz="2000" dirty="0">
-                <a:latin typeface="微软雅黑" panose="020B0503020204020204" charset="-122"/>
-                <a:ea typeface="微软雅黑" panose="020B0503020204020204" charset="-122"/>
-              </a:rPr>
-              <a:t>日：</a:t>
-            </a:r>
-            <a:r>
-              <a:rPr lang="en-US" altLang="zh-CN" sz="2000" dirty="0" err="1">
-                <a:latin typeface="微软雅黑" panose="020B0503020204020204" charset="-122"/>
-                <a:ea typeface="微软雅黑" panose="020B0503020204020204" charset="-122"/>
-              </a:rPr>
-              <a:t>mui</a:t>
-            </a:r>
-            <a:r>
-              <a:rPr lang="zh-CN" altLang="en-US" sz="2000" dirty="0">
-                <a:latin typeface="微软雅黑" panose="020B0503020204020204" charset="-122"/>
-                <a:ea typeface="微软雅黑" panose="020B0503020204020204" charset="-122"/>
-              </a:rPr>
-              <a:t>快递查询，快递公司，二维码。</a:t>
+              <a:t>李红：版权保护</a:t>
             </a:r>
           </a:p>
         </p:txBody>
@@ -8224,46 +7223,11 @@
               <a:buNone/>
             </a:pPr>
             <a:r>
-              <a:rPr lang="en-US" altLang="zh-CN" sz="2000" dirty="0">
-                <a:latin typeface="微软雅黑" panose="020B0503020204020204" charset="-122"/>
-                <a:ea typeface="微软雅黑" panose="020B0503020204020204" charset="-122"/>
-              </a:rPr>
-              <a:t>1</a:t>
-            </a:r>
-            <a:r>
               <a:rPr lang="zh-CN" altLang="en-US" sz="2000" dirty="0">
                 <a:latin typeface="微软雅黑" panose="020B0503020204020204" charset="-122"/>
                 <a:ea typeface="微软雅黑" panose="020B0503020204020204" charset="-122"/>
               </a:rPr>
-              <a:t>月</a:t>
-            </a:r>
-            <a:r>
-              <a:rPr lang="en-US" altLang="zh-CN" sz="2000" dirty="0">
-                <a:latin typeface="微软雅黑" panose="020B0503020204020204" charset="-122"/>
-                <a:ea typeface="微软雅黑" panose="020B0503020204020204" charset="-122"/>
-              </a:rPr>
-              <a:t>17</a:t>
-            </a:r>
-            <a:r>
-              <a:rPr lang="zh-CN" altLang="en-US" sz="2000" dirty="0">
-                <a:latin typeface="微软雅黑" panose="020B0503020204020204" charset="-122"/>
-                <a:ea typeface="微软雅黑" panose="020B0503020204020204" charset="-122"/>
-              </a:rPr>
-              <a:t>日：</a:t>
-            </a:r>
-            <a:r>
-              <a:rPr lang="en-US" altLang="zh-CN" sz="2000" dirty="0" err="1">
-                <a:latin typeface="微软雅黑" panose="020B0503020204020204" charset="-122"/>
-                <a:ea typeface="微软雅黑" panose="020B0503020204020204" charset="-122"/>
-              </a:rPr>
-              <a:t>mui</a:t>
-            </a:r>
-            <a:r>
-              <a:rPr lang="zh-CN" altLang="en-US" sz="2000" dirty="0">
-                <a:latin typeface="微软雅黑" panose="020B0503020204020204" charset="-122"/>
-                <a:ea typeface="微软雅黑" panose="020B0503020204020204" charset="-122"/>
-              </a:rPr>
-              <a:t>快递查询的历史记录。</a:t>
+              <a:t>付诗蒙：职位</a:t>
             </a:r>
           </a:p>
         </p:txBody>
@@ -8709,7 +7673,7 @@
         </p:nvSpPr>
         <p:spPr bwMode="auto">
           <a:xfrm>
-            <a:off x="1522590" y="1382967"/>
+            <a:off x="1672219" y="1443226"/>
             <a:ext cx="8229600" cy="4190698"/>
           </a:xfrm>
           <a:prstGeom prst="rect">
@@ -9669,8 +8633,8 @@
         </p:nvSpPr>
         <p:spPr>
           <a:xfrm>
-            <a:off x="1556238" y="2083777"/>
-            <a:ext cx="681790" cy="369332"/>
+            <a:off x="5222150" y="2723856"/>
+            <a:ext cx="4861187" cy="830997"/>
           </a:xfrm>
           <a:prstGeom prst="rect">
             <a:avLst/>
@@ -9684,12 +8648,12 @@
           <a:lstStyle/>
           <a:p>
             <a:r>
-              <a:rPr lang="zh-CN" altLang="en-US" dirty="0">
+              <a:rPr lang="zh-CN" altLang="en-US" sz="4800" dirty="0">
                 <a:hlinkClick r:id="rId2" action="ppaction://hlinkfile"/>
               </a:rPr>
               <a:t>站酷</a:t>
             </a:r>
-            <a:endParaRPr lang="zh-CN" altLang="en-US" dirty="0"/>
+            <a:endParaRPr lang="zh-CN" altLang="en-US" sz="4800" dirty="0"/>
           </a:p>
         </p:txBody>
       </p:sp>
@@ -9730,8 +8694,8 @@
         </p:nvSpPr>
         <p:spPr>
           <a:xfrm>
-            <a:off x="392942" y="52258"/>
-            <a:ext cx="10515600" cy="1325563"/>
+            <a:off x="392941" y="-118557"/>
+            <a:ext cx="10515600" cy="1174274"/>
           </a:xfrm>
         </p:spPr>
         <p:txBody>
@@ -9765,45 +8729,6 @@
               <a:t>8</a:t>
             </a:fld>
             <a:endParaRPr lang="zh-CN" altLang="en-US"/>
-          </a:p>
-        </p:txBody>
-      </p:sp>
-      <p:sp>
-        <p:nvSpPr>
-          <p:cNvPr id="2" name="文本框 1">
-            <a:extLst>
-              <a:ext uri="{FF2B5EF4-FFF2-40B4-BE49-F238E27FC236}">
-                <a16:creationId xmlns:a16="http://schemas.microsoft.com/office/drawing/2014/main" id="{1E6FE45B-78A5-4C37-80AC-25874EC756A3}"/>
-              </a:ext>
-            </a:extLst>
-          </p:cNvPr>
-          <p:cNvSpPr txBox="1"/>
-          <p:nvPr/>
-        </p:nvSpPr>
-        <p:spPr>
-          <a:xfrm>
-            <a:off x="703384" y="1095520"/>
-            <a:ext cx="10515599" cy="400110"/>
-          </a:xfrm>
-          <a:prstGeom prst="rect">
-            <a:avLst/>
-          </a:prstGeom>
-          <a:noFill/>
-        </p:spPr>
-        <p:txBody>
-          <a:bodyPr wrap="square" rtlCol="0">
-            <a:spAutoFit/>
-          </a:bodyPr>
-          <a:lstStyle/>
-          <a:p>
-            <a:r>
-              <a:rPr lang="en-US" altLang="zh-CN" sz="2000" b="1" dirty="0"/>
-              <a:t>1.</a:t>
-            </a:r>
-            <a:r>
-              <a:rPr lang="zh-CN" altLang="en-US" sz="2000" b="1" dirty="0"/>
-              <a:t>首页、发现页</a:t>
-            </a:r>
           </a:p>
         </p:txBody>
       </p:sp>
@@ -9821,8 +8746,8 @@
         </p:nvSpPr>
         <p:spPr>
           <a:xfrm>
-            <a:off x="1428640" y="1495630"/>
-            <a:ext cx="9334719" cy="3724096"/>
+            <a:off x="1066509" y="874454"/>
+            <a:ext cx="9334719" cy="5109091"/>
           </a:xfrm>
           <a:prstGeom prst="rect">
             <a:avLst/>
@@ -9916,7 +8841,18 @@
               <a:rPr lang="zh-CN" altLang="en-US" sz="2000" dirty="0"/>
               <a:t>定位</a:t>
             </a:r>
-            <a:endParaRPr lang="en-US" altLang="zh-CN" sz="2000" dirty="0"/>
+            <a:r>
+              <a:rPr lang="en-US" altLang="zh-CN" sz="2000" dirty="0"/>
+              <a:t>,</a:t>
+            </a:r>
+            <a:r>
+              <a:rPr lang="en-US" altLang="zh-CN" sz="2000" dirty="0" err="1"/>
+              <a:t>position:skity</a:t>
+            </a:r>
+            <a:r>
+              <a:rPr lang="en-US" altLang="zh-CN" sz="2000" dirty="0"/>
+              <a:t>;</a:t>
+            </a:r>
           </a:p>
           <a:p>
             <a:pPr marL="285750" indent="-285750">
@@ -10065,8 +9001,92 @@
             </a:r>
             <a:r>
               <a:rPr lang="en-US" altLang="zh-CN" dirty="0"/>
-              <a:t>,</a:t>
-            </a:r>
+              <a:t>, </a:t>
+            </a:r>
+            <a:r>
+              <a:rPr lang="en-US" altLang="zh-CN" dirty="0" err="1"/>
+              <a:t>viewBox</a:t>
+            </a:r>
+            <a:r>
+              <a:rPr lang="en-US" altLang="zh-CN" dirty="0"/>
+              <a:t>=“0 0 32 32”</a:t>
+            </a:r>
+          </a:p>
+          <a:p>
+            <a:pPr marL="285750" indent="-285750">
+              <a:buFont typeface="Arial" panose="020B0604020202020204" pitchFamily="34" charset="0"/>
+              <a:buChar char="•"/>
+            </a:pPr>
+            <a:r>
+              <a:rPr lang="en-US" altLang="zh-CN" dirty="0"/>
+              <a:t>a</a:t>
+            </a:r>
+            <a:r>
+              <a:rPr lang="zh-CN" altLang="en-US" dirty="0"/>
+              <a:t>锚链接</a:t>
+            </a:r>
+            <a:endParaRPr lang="en-US" altLang="zh-CN" dirty="0"/>
+          </a:p>
+          <a:p>
+            <a:pPr marL="285750" indent="-285750">
+              <a:buFont typeface="Arial" panose="020B0604020202020204" pitchFamily="34" charset="0"/>
+              <a:buChar char="•"/>
+            </a:pPr>
+            <a:r>
+              <a:rPr lang="en-US" altLang="zh-CN" dirty="0"/>
+              <a:t>white-space: </a:t>
+            </a:r>
+            <a:r>
+              <a:rPr lang="en-US" altLang="zh-CN" dirty="0" err="1"/>
+              <a:t>nowrap</a:t>
+            </a:r>
+            <a:r>
+              <a:rPr lang="en-US" altLang="zh-CN" dirty="0"/>
+              <a:t>; text-overflow: ellipsis; overflow: hidden; display: -</a:t>
+            </a:r>
+            <a:r>
+              <a:rPr lang="en-US" altLang="zh-CN" dirty="0" err="1"/>
+              <a:t>webkit</a:t>
+            </a:r>
+            <a:r>
+              <a:rPr lang="en-US" altLang="zh-CN" dirty="0"/>
+              <a:t>-box; -</a:t>
+            </a:r>
+            <a:r>
+              <a:rPr lang="en-US" altLang="zh-CN" dirty="0" err="1"/>
+              <a:t>webkit</a:t>
+            </a:r>
+            <a:r>
+              <a:rPr lang="en-US" altLang="zh-CN" dirty="0"/>
+              <a:t>-line-clamp: 2; -</a:t>
+            </a:r>
+            <a:r>
+              <a:rPr lang="en-US" altLang="zh-CN" dirty="0" err="1"/>
+              <a:t>webkit</a:t>
+            </a:r>
+            <a:r>
+              <a:rPr lang="en-US" altLang="zh-CN" dirty="0"/>
+              <a:t>-box-orient: vertical;</a:t>
+            </a:r>
+            <a:r>
+              <a:rPr lang="zh-CN" altLang="en-US" dirty="0"/>
+              <a:t>文字控制</a:t>
+            </a:r>
+            <a:endParaRPr lang="en-US" altLang="zh-CN" dirty="0"/>
+          </a:p>
+          <a:p>
+            <a:pPr marL="285750" indent="-285750">
+              <a:buFont typeface="Arial" panose="020B0604020202020204" pitchFamily="34" charset="0"/>
+              <a:buChar char="•"/>
+            </a:pPr>
+            <a:endParaRPr lang="en-US" altLang="zh-CN" dirty="0"/>
+          </a:p>
+          <a:p>
+            <a:pPr marL="285750" indent="-285750">
+              <a:buFont typeface="Arial" panose="020B0604020202020204" pitchFamily="34" charset="0"/>
+              <a:buChar char="•"/>
+            </a:pPr>
+            <a:endParaRPr lang="en-US" altLang="zh-CN" dirty="0"/>
           </a:p>
         </p:txBody>
       </p:sp>
@@ -10102,49 +9122,34 @@
       </p:grpSpPr>
       <p:sp>
         <p:nvSpPr>
-          <p:cNvPr id="4" name="日期占位符 3"/>
+          <p:cNvPr id="6" name="标题 5"/>
           <p:cNvSpPr>
             <a:spLocks noGrp="1"/>
           </p:cNvSpPr>
           <p:nvPr>
-            <p:ph type="dt" sz="half" idx="10"/>
+            <p:ph type="title"/>
           </p:nvPr>
         </p:nvSpPr>
-        <p:spPr/>
+        <p:spPr>
+          <a:xfrm>
+            <a:off x="5167572" y="2428601"/>
+            <a:ext cx="1856855" cy="1325563"/>
+          </a:xfrm>
+        </p:spPr>
         <p:txBody>
           <a:bodyPr/>
           <a:lstStyle/>
           <a:p>
-            <a:fld id="{82F288E0-7875-42C4-84C8-98DBBD3BF4D2}" type="datetime1">
-              <a:rPr lang="zh-CN" altLang="en-US" smtClean="0"/>
-              <a:t>2020/5/25</a:t>
-            </a:fld>
-            <a:endParaRPr lang="zh-CN" altLang="en-US"/>
-          </a:p>
-        </p:txBody>
-      </p:sp>
-      <p:sp>
-        <p:nvSpPr>
-          <p:cNvPr id="5" name="页脚占位符 4"/>
-          <p:cNvSpPr>
-            <a:spLocks noGrp="1"/>
-          </p:cNvSpPr>
-          <p:nvPr>
-            <p:ph type="ftr" sz="quarter" idx="11"/>
-          </p:nvPr>
-        </p:nvSpPr>
-        <p:spPr/>
-        <p:txBody>
-          <a:bodyPr/>
-          <a:lstStyle/>
-          <a:p>
-            <a:endParaRPr lang="zh-CN" altLang="en-US"/>
-          </a:p>
-        </p:txBody>
-      </p:sp>
-      <p:sp>
-        <p:nvSpPr>
-          <p:cNvPr id="6" name="灯片编号占位符 5"/>
+            <a:r>
+              <a:rPr lang="zh-CN" altLang="en-US" dirty="0"/>
+              <a:t>总结</a:t>
+            </a:r>
+          </a:p>
+        </p:txBody>
+      </p:sp>
+      <p:sp>
+        <p:nvSpPr>
+          <p:cNvPr id="5" name="灯片编号占位符 4"/>
           <p:cNvSpPr>
             <a:spLocks noGrp="1"/>
           </p:cNvSpPr>
@@ -10161,229 +9166,7 @@
               <a:rPr lang="zh-CN" altLang="en-US" smtClean="0"/>
               <a:t>9</a:t>
             </a:fld>
-            <a:endParaRPr lang="zh-CN" altLang="en-US"/>
-          </a:p>
-        </p:txBody>
-      </p:sp>
-      <p:sp>
-        <p:nvSpPr>
-          <p:cNvPr id="7" name="Text Box 2"/>
-          <p:cNvSpPr txBox="1">
-            <a:spLocks noChangeArrowheads="1"/>
-          </p:cNvSpPr>
-          <p:nvPr/>
-        </p:nvSpPr>
-        <p:spPr bwMode="auto">
-          <a:xfrm>
-            <a:off x="378337" y="1137640"/>
-            <a:ext cx="3541713" cy="499624"/>
-          </a:xfrm>
-          <a:prstGeom prst="rect">
-            <a:avLst/>
-          </a:prstGeom>
-          <a:noFill/>
-          <a:ln>
-            <a:noFill/>
-          </a:ln>
-          <a:effectLst/>
-          <a:extLst>
-            <a:ext uri="{909E8E84-426E-40DD-AFC4-6F175D3DCCD1}">
-              <a14:hiddenFill xmlns:a14="http://schemas.microsoft.com/office/drawing/2010/main">
-                <a:solidFill>
-                  <a:schemeClr val="accent1"/>
-                </a:solidFill>
-              </a14:hiddenFill>
-            </a:ext>
-            <a:ext uri="{91240B29-F687-4F45-9708-019B960494DF}">
-              <a14:hiddenLine xmlns:a14="http://schemas.microsoft.com/office/drawing/2010/main" w="9525">
-                <a:solidFill>
-                  <a:srgbClr val="000000"/>
-                </a:solidFill>
-                <a:miter lim="800000"/>
-                <a:headEnd/>
-                <a:tailEnd/>
-              </a14:hiddenLine>
-            </a:ext>
-            <a:ext uri="{AF507438-7753-43E0-B8FC-AC1667EBCBE1}">
-              <a14:hiddenEffects xmlns:a14="http://schemas.microsoft.com/office/drawing/2010/main">
-                <a:effectLst>
-                  <a:outerShdw dist="35921" dir="2700000" algn="ctr" rotWithShape="0">
-                    <a:schemeClr val="bg2"/>
-                  </a:outerShdw>
-                </a:effectLst>
-              </a14:hiddenEffects>
-            </a:ext>
-          </a:extLst>
-        </p:spPr>
-        <p:txBody>
-          <a:bodyPr>
-            <a:spAutoFit/>
-          </a:bodyPr>
-          <a:lstStyle>
-            <a:lvl1pPr>
-              <a:spcBef>
-                <a:spcPct val="20000"/>
-              </a:spcBef>
-              <a:buChar char="•"/>
-              <a:defRPr sz="1100">
-                <a:solidFill>
-                  <a:schemeClr val="tx1"/>
-                </a:solidFill>
-                <a:latin typeface="Calibri" panose="020F0502020204030204" pitchFamily="34" charset="0"/>
-                <a:ea typeface="宋体" panose="02010600030101010101" pitchFamily="2" charset="-122"/>
-                <a:sym typeface="Calibri" panose="020F0502020204030204" pitchFamily="34" charset="0"/>
-              </a:defRPr>
-            </a:lvl1pPr>
-            <a:lvl2pPr marL="742950" indent="-285750">
-              <a:spcBef>
-                <a:spcPct val="20000"/>
-              </a:spcBef>
-              <a:buChar char="–"/>
-              <a:defRPr sz="1100">
-                <a:solidFill>
-                  <a:schemeClr val="tx1"/>
-                </a:solidFill>
-                <a:latin typeface="Calibri" panose="020F0502020204030204" pitchFamily="34" charset="0"/>
-                <a:ea typeface="宋体" panose="02010600030101010101" pitchFamily="2" charset="-122"/>
-                <a:sym typeface="Calibri" panose="020F0502020204030204" pitchFamily="34" charset="0"/>
-              </a:defRPr>
-            </a:lvl2pPr>
-            <a:lvl3pPr marL="1143000" indent="-228600">
-              <a:spcBef>
-                <a:spcPct val="20000"/>
-              </a:spcBef>
-              <a:buChar char="•"/>
-              <a:defRPr sz="1100">
-                <a:solidFill>
-                  <a:schemeClr val="tx1"/>
-                </a:solidFill>
-                <a:latin typeface="Calibri" panose="020F0502020204030204" pitchFamily="34" charset="0"/>
-                <a:ea typeface="宋体" panose="02010600030101010101" pitchFamily="2" charset="-122"/>
-                <a:sym typeface="Calibri" panose="020F0502020204030204" pitchFamily="34" charset="0"/>
-              </a:defRPr>
-            </a:lvl3pPr>
-            <a:lvl4pPr marL="1600200" indent="-228600">
-              <a:spcBef>
-                <a:spcPct val="20000"/>
-              </a:spcBef>
-              <a:buChar char="–"/>
-              <a:defRPr sz="1100">
-                <a:solidFill>
-                  <a:schemeClr val="tx1"/>
-                </a:solidFill>
-                <a:latin typeface="Calibri" panose="020F0502020204030204" pitchFamily="34" charset="0"/>
-                <a:ea typeface="宋体" panose="02010600030101010101" pitchFamily="2" charset="-122"/>
-                <a:sym typeface="Calibri" panose="020F0502020204030204" pitchFamily="34" charset="0"/>
-              </a:defRPr>
-            </a:lvl4pPr>
-            <a:lvl5pPr marL="2057400" indent="-228600">
-              <a:spcBef>
-                <a:spcPct val="20000"/>
-              </a:spcBef>
-              <a:buChar char="»"/>
-              <a:defRPr sz="1100">
-                <a:solidFill>
-                  <a:schemeClr val="tx1"/>
-                </a:solidFill>
-                <a:latin typeface="Calibri" panose="020F0502020204030204" pitchFamily="34" charset="0"/>
-                <a:ea typeface="宋体" panose="02010600030101010101" pitchFamily="2" charset="-122"/>
-                <a:sym typeface="Calibri" panose="020F0502020204030204" pitchFamily="34" charset="0"/>
-              </a:defRPr>
-            </a:lvl5pPr>
-            <a:lvl6pPr marL="2514600" indent="-228600" eaLnBrk="0" fontAlgn="base" hangingPunct="0">
-              <a:spcBef>
-                <a:spcPct val="20000"/>
-              </a:spcBef>
-              <a:spcAft>
-                <a:spcPct val="0"/>
-              </a:spcAft>
-              <a:buChar char="»"/>
-              <a:defRPr sz="1100">
-                <a:solidFill>
-                  <a:schemeClr val="tx1"/>
-                </a:solidFill>
-                <a:latin typeface="Calibri" panose="020F0502020204030204" pitchFamily="34" charset="0"/>
-                <a:ea typeface="宋体" panose="02010600030101010101" pitchFamily="2" charset="-122"/>
-                <a:sym typeface="Calibri" panose="020F0502020204030204" pitchFamily="34" charset="0"/>
-              </a:defRPr>
-            </a:lvl6pPr>
-            <a:lvl7pPr marL="2971800" indent="-228600" eaLnBrk="0" fontAlgn="base" hangingPunct="0">
-              <a:spcBef>
-                <a:spcPct val="20000"/>
-              </a:spcBef>
-              <a:spcAft>
-                <a:spcPct val="0"/>
-              </a:spcAft>
-              <a:buChar char="»"/>
-              <a:defRPr sz="1100">
-                <a:solidFill>
-                  <a:schemeClr val="tx1"/>
-                </a:solidFill>
-                <a:latin typeface="Calibri" panose="020F0502020204030204" pitchFamily="34" charset="0"/>
-                <a:ea typeface="宋体" panose="02010600030101010101" pitchFamily="2" charset="-122"/>
-                <a:sym typeface="Calibri" panose="020F0502020204030204" pitchFamily="34" charset="0"/>
-              </a:defRPr>
-            </a:lvl7pPr>
-            <a:lvl8pPr marL="3429000" indent="-228600" eaLnBrk="0" fontAlgn="base" hangingPunct="0">
-              <a:spcBef>
-                <a:spcPct val="20000"/>
-              </a:spcBef>
-              <a:spcAft>
-                <a:spcPct val="0"/>
-              </a:spcAft>
-              <a:buChar char="»"/>
-              <a:defRPr sz="1100">
-                <a:solidFill>
-                  <a:schemeClr val="tx1"/>
-                </a:solidFill>
-                <a:latin typeface="Calibri" panose="020F0502020204030204" pitchFamily="34" charset="0"/>
-                <a:ea typeface="宋体" panose="02010600030101010101" pitchFamily="2" charset="-122"/>
-                <a:sym typeface="Calibri" panose="020F0502020204030204" pitchFamily="34" charset="0"/>
-              </a:defRPr>
-            </a:lvl8pPr>
-            <a:lvl9pPr marL="3886200" indent="-228600" eaLnBrk="0" fontAlgn="base" hangingPunct="0">
-              <a:spcBef>
-                <a:spcPct val="20000"/>
-              </a:spcBef>
-              <a:spcAft>
-                <a:spcPct val="0"/>
-              </a:spcAft>
-              <a:buChar char="»"/>
-              <a:defRPr sz="1100">
-                <a:solidFill>
-                  <a:schemeClr val="tx1"/>
-                </a:solidFill>
-                <a:latin typeface="Calibri" panose="020F0502020204030204" pitchFamily="34" charset="0"/>
-                <a:ea typeface="宋体" panose="02010600030101010101" pitchFamily="2" charset="-122"/>
-                <a:sym typeface="Calibri" panose="020F0502020204030204" pitchFamily="34" charset="0"/>
-              </a:defRPr>
-            </a:lvl9pPr>
-          </a:lstStyle>
-          <a:p>
-            <a:pPr eaLnBrk="1" hangingPunct="1">
-              <a:lnSpc>
-                <a:spcPct val="150000"/>
-              </a:lnSpc>
-              <a:spcBef>
-                <a:spcPct val="0"/>
-              </a:spcBef>
-              <a:buFontTx/>
-              <a:buNone/>
-            </a:pPr>
-            <a:r>
-              <a:rPr lang="en-US" altLang="zh-CN" sz="2000" dirty="0">
-                <a:latin typeface="微软雅黑" panose="020B0503020204020204" charset="-122"/>
-                <a:ea typeface="微软雅黑" panose="020B0503020204020204" charset="-122"/>
-              </a:rPr>
-              <a:t>2</a:t>
-            </a:r>
-            <a:r>
-              <a:rPr lang="zh-CN" altLang="en-US" sz="2000" dirty="0">
-                <a:latin typeface="微软雅黑" panose="020B0503020204020204" charset="-122"/>
-                <a:ea typeface="微软雅黑" panose="020B0503020204020204" charset="-122"/>
-              </a:rPr>
-              <a:t>、</a:t>
-            </a:r>
+            <a:endParaRPr lang="zh-CN" altLang="en-US" dirty="0"/>
           </a:p>
         </p:txBody>
       </p:sp>
@@ -10392,97 +9175,6 @@
   <p:clrMapOvr>
     <a:masterClrMapping/>
   </p:clrMapOvr>
-  <p:timing>
-    <p:tnLst>
-      <p:par>
-        <p:cTn id="1" dur="indefinite" restart="never" nodeType="tmRoot">
-          <p:childTnLst>
-            <p:seq concurrent="1" nextAc="seek">
-              <p:cTn id="2" dur="indefinite" nodeType="mainSeq">
-                <p:childTnLst>
-                  <p:par>
-                    <p:cTn id="3" fill="hold">
-                      <p:stCondLst>
-                        <p:cond delay="indefinite"/>
-                      </p:stCondLst>
-                      <p:childTnLst>
-                        <p:par>
-                          <p:cTn id="4" fill="hold">
-                            <p:stCondLst>
-                              <p:cond delay="0"/>
-                            </p:stCondLst>
-                            <p:childTnLst>
-                              <p:par>
-                                <p:cTn id="5" presetID="8" presetClass="entr" presetSubtype="16" fill="hold" nodeType="clickEffect">
-                                  <p:stCondLst>
-                                    <p:cond delay="0"/>
-                                  </p:stCondLst>
-                                  <p:childTnLst>
-                                    <p:set>
-                                      <p:cBhvr>
-                                        <p:cTn id="6" dur="1" fill="hold">
-                                          <p:stCondLst>
-                                            <p:cond delay="0"/>
-                                          </p:stCondLst>
-                                        </p:cTn>
-                                        <p:tgtEl>
-                                          <p:spTgt spid="7">
-                                            <p:txEl>
-                                              <p:pRg st="0" end="0"/>
-                                            </p:txEl>
-                                          </p:spTgt>
-                                        </p:tgtEl>
-                                        <p:attrNameLst>
-                                          <p:attrName>style.visibility</p:attrName>
-                                        </p:attrNameLst>
-                                      </p:cBhvr>
-                                      <p:to>
-                                        <p:strVal val="visible"/>
-                                      </p:to>
-                                    </p:set>
-                                    <p:animEffect transition="in" filter="diamond(in)">
-                                      <p:cBhvr>
-                                        <p:cTn id="7" dur="500"/>
-                                        <p:tgtEl>
-                                          <p:spTgt spid="7">
-                                            <p:txEl>
-                                              <p:pRg st="0" end="0"/>
-                                            </p:txEl>
-                                          </p:spTgt>
-                                        </p:tgtEl>
-                                      </p:cBhvr>
-                                    </p:animEffect>
-                                  </p:childTnLst>
-                                </p:cTn>
-                              </p:par>
-                            </p:childTnLst>
-                          </p:cTn>
-                        </p:par>
-                      </p:childTnLst>
-                    </p:cTn>
-                  </p:par>
-                </p:childTnLst>
-              </p:cTn>
-              <p:prevCondLst>
-                <p:cond evt="onPrev" delay="0">
-                  <p:tgtEl>
-                    <p:sldTgt/>
-                  </p:tgtEl>
-                </p:cond>
-              </p:prevCondLst>
-              <p:nextCondLst>
-                <p:cond evt="onNext" delay="0">
-                  <p:tgtEl>
-                    <p:sldTgt/>
-                  </p:tgtEl>
-                </p:cond>
-              </p:nextCondLst>
-            </p:seq>
-          </p:childTnLst>
-        </p:cTn>
-      </p:par>
-    </p:tnLst>
-  </p:timing>
 </p:sld>
 </file>
 
